--- a/beer_analysis.pptx
+++ b/beer_analysis.pptx
@@ -638,7 +638,7 @@
           <p:cNvPr id="2" name="Title 1">
             <a:extLst>
               <a:ext uri="{FF2B5EF4-FFF2-40B4-BE49-F238E27FC236}">
-                <a16:creationId xmlns:a16="http://schemas.microsoft.com/office/drawing/2014/main" id="{0864DFE0-C9F3-E038-C6A2-299C689EF01A}"/>
+                <a16:creationId xmlns:a16="http://schemas.microsoft.com/office/drawing/2014/main" xmlns="" id="{0864DFE0-C9F3-E038-C6A2-299C689EF01A}"/>
               </a:ext>
             </a:extLst>
           </p:cNvPr>
@@ -676,7 +676,7 @@
           <p:cNvPr id="3" name="Subtitle 2">
             <a:extLst>
               <a:ext uri="{FF2B5EF4-FFF2-40B4-BE49-F238E27FC236}">
-                <a16:creationId xmlns:a16="http://schemas.microsoft.com/office/drawing/2014/main" id="{80801435-8AF6-8DD0-1921-6449C951530B}"/>
+                <a16:creationId xmlns:a16="http://schemas.microsoft.com/office/drawing/2014/main" xmlns="" id="{80801435-8AF6-8DD0-1921-6449C951530B}"/>
               </a:ext>
             </a:extLst>
           </p:cNvPr>
@@ -747,7 +747,7 @@
           <p:cNvPr id="4" name="Date Placeholder 3">
             <a:extLst>
               <a:ext uri="{FF2B5EF4-FFF2-40B4-BE49-F238E27FC236}">
-                <a16:creationId xmlns:a16="http://schemas.microsoft.com/office/drawing/2014/main" id="{D3635A00-D59E-7E98-2282-F0B39F5F39B1}"/>
+                <a16:creationId xmlns:a16="http://schemas.microsoft.com/office/drawing/2014/main" xmlns="" id="{D3635A00-D59E-7E98-2282-F0B39F5F39B1}"/>
               </a:ext>
             </a:extLst>
           </p:cNvPr>
@@ -765,7 +765,7 @@
           <a:p>
             <a:fld id="{29907E11-C153-43A0-B755-7A3EA43D0428}" type="datetimeFigureOut">
               <a:rPr lang="en-IN" smtClean="0"/>
-              <a:t>07-07-2022</a:t>
+              <a:t>08-07-2022</a:t>
             </a:fld>
             <a:endParaRPr lang="en-IN"/>
           </a:p>
@@ -776,7 +776,7 @@
           <p:cNvPr id="5" name="Footer Placeholder 4">
             <a:extLst>
               <a:ext uri="{FF2B5EF4-FFF2-40B4-BE49-F238E27FC236}">
-                <a16:creationId xmlns:a16="http://schemas.microsoft.com/office/drawing/2014/main" id="{3818692A-8CA1-4B99-9AB8-FE874DA7C312}"/>
+                <a16:creationId xmlns:a16="http://schemas.microsoft.com/office/drawing/2014/main" xmlns="" id="{3818692A-8CA1-4B99-9AB8-FE874DA7C312}"/>
               </a:ext>
             </a:extLst>
           </p:cNvPr>
@@ -801,7 +801,7 @@
           <p:cNvPr id="6" name="Slide Number Placeholder 5">
             <a:extLst>
               <a:ext uri="{FF2B5EF4-FFF2-40B4-BE49-F238E27FC236}">
-                <a16:creationId xmlns:a16="http://schemas.microsoft.com/office/drawing/2014/main" id="{B78DBEB7-5828-54E1-99A9-6589869C0BD9}"/>
+                <a16:creationId xmlns:a16="http://schemas.microsoft.com/office/drawing/2014/main" xmlns="" id="{B78DBEB7-5828-54E1-99A9-6589869C0BD9}"/>
               </a:ext>
             </a:extLst>
           </p:cNvPr>
@@ -860,7 +860,7 @@
           <p:cNvPr id="2" name="Title 1">
             <a:extLst>
               <a:ext uri="{FF2B5EF4-FFF2-40B4-BE49-F238E27FC236}">
-                <a16:creationId xmlns:a16="http://schemas.microsoft.com/office/drawing/2014/main" id="{5D5428F9-C13F-4787-EFD1-36D8272C5DB5}"/>
+                <a16:creationId xmlns:a16="http://schemas.microsoft.com/office/drawing/2014/main" xmlns="" id="{5D5428F9-C13F-4787-EFD1-36D8272C5DB5}"/>
               </a:ext>
             </a:extLst>
           </p:cNvPr>
@@ -889,7 +889,7 @@
           <p:cNvPr id="3" name="Vertical Text Placeholder 2">
             <a:extLst>
               <a:ext uri="{FF2B5EF4-FFF2-40B4-BE49-F238E27FC236}">
-                <a16:creationId xmlns:a16="http://schemas.microsoft.com/office/drawing/2014/main" id="{6F389052-541A-259E-CEA3-C60540FEC401}"/>
+                <a16:creationId xmlns:a16="http://schemas.microsoft.com/office/drawing/2014/main" xmlns="" id="{6F389052-541A-259E-CEA3-C60540FEC401}"/>
               </a:ext>
             </a:extLst>
           </p:cNvPr>
@@ -947,7 +947,7 @@
           <p:cNvPr id="4" name="Date Placeholder 3">
             <a:extLst>
               <a:ext uri="{FF2B5EF4-FFF2-40B4-BE49-F238E27FC236}">
-                <a16:creationId xmlns:a16="http://schemas.microsoft.com/office/drawing/2014/main" id="{E15B6EAA-B5E4-96B9-F5E9-D50311FF23B2}"/>
+                <a16:creationId xmlns:a16="http://schemas.microsoft.com/office/drawing/2014/main" xmlns="" id="{E15B6EAA-B5E4-96B9-F5E9-D50311FF23B2}"/>
               </a:ext>
             </a:extLst>
           </p:cNvPr>
@@ -965,7 +965,7 @@
           <a:p>
             <a:fld id="{29907E11-C153-43A0-B755-7A3EA43D0428}" type="datetimeFigureOut">
               <a:rPr lang="en-IN" smtClean="0"/>
-              <a:t>07-07-2022</a:t>
+              <a:t>08-07-2022</a:t>
             </a:fld>
             <a:endParaRPr lang="en-IN"/>
           </a:p>
@@ -976,7 +976,7 @@
           <p:cNvPr id="5" name="Footer Placeholder 4">
             <a:extLst>
               <a:ext uri="{FF2B5EF4-FFF2-40B4-BE49-F238E27FC236}">
-                <a16:creationId xmlns:a16="http://schemas.microsoft.com/office/drawing/2014/main" id="{1EAE8502-FC97-3EFD-6DC7-ED2A424C44AD}"/>
+                <a16:creationId xmlns:a16="http://schemas.microsoft.com/office/drawing/2014/main" xmlns="" id="{1EAE8502-FC97-3EFD-6DC7-ED2A424C44AD}"/>
               </a:ext>
             </a:extLst>
           </p:cNvPr>
@@ -1001,7 +1001,7 @@
           <p:cNvPr id="6" name="Slide Number Placeholder 5">
             <a:extLst>
               <a:ext uri="{FF2B5EF4-FFF2-40B4-BE49-F238E27FC236}">
-                <a16:creationId xmlns:a16="http://schemas.microsoft.com/office/drawing/2014/main" id="{21F1D331-8132-1BF3-F595-3605D22ADD64}"/>
+                <a16:creationId xmlns:a16="http://schemas.microsoft.com/office/drawing/2014/main" xmlns="" id="{21F1D331-8132-1BF3-F595-3605D22ADD64}"/>
               </a:ext>
             </a:extLst>
           </p:cNvPr>
@@ -1060,7 +1060,7 @@
           <p:cNvPr id="2" name="Vertical Title 1">
             <a:extLst>
               <a:ext uri="{FF2B5EF4-FFF2-40B4-BE49-F238E27FC236}">
-                <a16:creationId xmlns:a16="http://schemas.microsoft.com/office/drawing/2014/main" id="{9BF8CFF8-89ED-9A3D-73B4-11F48D5B3C8D}"/>
+                <a16:creationId xmlns:a16="http://schemas.microsoft.com/office/drawing/2014/main" xmlns="" id="{9BF8CFF8-89ED-9A3D-73B4-11F48D5B3C8D}"/>
               </a:ext>
             </a:extLst>
           </p:cNvPr>
@@ -1094,7 +1094,7 @@
           <p:cNvPr id="3" name="Vertical Text Placeholder 2">
             <a:extLst>
               <a:ext uri="{FF2B5EF4-FFF2-40B4-BE49-F238E27FC236}">
-                <a16:creationId xmlns:a16="http://schemas.microsoft.com/office/drawing/2014/main" id="{83F7548D-8D9E-3996-F513-0F7F560A8568}"/>
+                <a16:creationId xmlns:a16="http://schemas.microsoft.com/office/drawing/2014/main" xmlns="" id="{83F7548D-8D9E-3996-F513-0F7F560A8568}"/>
               </a:ext>
             </a:extLst>
           </p:cNvPr>
@@ -1157,7 +1157,7 @@
           <p:cNvPr id="4" name="Date Placeholder 3">
             <a:extLst>
               <a:ext uri="{FF2B5EF4-FFF2-40B4-BE49-F238E27FC236}">
-                <a16:creationId xmlns:a16="http://schemas.microsoft.com/office/drawing/2014/main" id="{9B33E0DA-5CE9-C49E-0382-D7C1B3EDCB3C}"/>
+                <a16:creationId xmlns:a16="http://schemas.microsoft.com/office/drawing/2014/main" xmlns="" id="{9B33E0DA-5CE9-C49E-0382-D7C1B3EDCB3C}"/>
               </a:ext>
             </a:extLst>
           </p:cNvPr>
@@ -1175,7 +1175,7 @@
           <a:p>
             <a:fld id="{29907E11-C153-43A0-B755-7A3EA43D0428}" type="datetimeFigureOut">
               <a:rPr lang="en-IN" smtClean="0"/>
-              <a:t>07-07-2022</a:t>
+              <a:t>08-07-2022</a:t>
             </a:fld>
             <a:endParaRPr lang="en-IN"/>
           </a:p>
@@ -1186,7 +1186,7 @@
           <p:cNvPr id="5" name="Footer Placeholder 4">
             <a:extLst>
               <a:ext uri="{FF2B5EF4-FFF2-40B4-BE49-F238E27FC236}">
-                <a16:creationId xmlns:a16="http://schemas.microsoft.com/office/drawing/2014/main" id="{DB323CBD-7D1E-3D2E-4FCE-C9877FE12E60}"/>
+                <a16:creationId xmlns:a16="http://schemas.microsoft.com/office/drawing/2014/main" xmlns="" id="{DB323CBD-7D1E-3D2E-4FCE-C9877FE12E60}"/>
               </a:ext>
             </a:extLst>
           </p:cNvPr>
@@ -1211,7 +1211,7 @@
           <p:cNvPr id="6" name="Slide Number Placeholder 5">
             <a:extLst>
               <a:ext uri="{FF2B5EF4-FFF2-40B4-BE49-F238E27FC236}">
-                <a16:creationId xmlns:a16="http://schemas.microsoft.com/office/drawing/2014/main" id="{6FF3A808-CBC7-DA6C-DC1E-463C69C5B0B2}"/>
+                <a16:creationId xmlns:a16="http://schemas.microsoft.com/office/drawing/2014/main" xmlns="" id="{6FF3A808-CBC7-DA6C-DC1E-463C69C5B0B2}"/>
               </a:ext>
             </a:extLst>
           </p:cNvPr>
@@ -1270,7 +1270,7 @@
           <p:cNvPr id="2" name="Title 1">
             <a:extLst>
               <a:ext uri="{FF2B5EF4-FFF2-40B4-BE49-F238E27FC236}">
-                <a16:creationId xmlns:a16="http://schemas.microsoft.com/office/drawing/2014/main" id="{FDF88A7D-A3FF-4FB6-DA15-318CC373B56E}"/>
+                <a16:creationId xmlns:a16="http://schemas.microsoft.com/office/drawing/2014/main" xmlns="" id="{FDF88A7D-A3FF-4FB6-DA15-318CC373B56E}"/>
               </a:ext>
             </a:extLst>
           </p:cNvPr>
@@ -1299,7 +1299,7 @@
           <p:cNvPr id="3" name="Content Placeholder 2">
             <a:extLst>
               <a:ext uri="{FF2B5EF4-FFF2-40B4-BE49-F238E27FC236}">
-                <a16:creationId xmlns:a16="http://schemas.microsoft.com/office/drawing/2014/main" id="{7E538A96-C9B6-2A7F-33F0-3BB8E026688A}"/>
+                <a16:creationId xmlns:a16="http://schemas.microsoft.com/office/drawing/2014/main" xmlns="" id="{7E538A96-C9B6-2A7F-33F0-3BB8E026688A}"/>
               </a:ext>
             </a:extLst>
           </p:cNvPr>
@@ -1357,7 +1357,7 @@
           <p:cNvPr id="4" name="Date Placeholder 3">
             <a:extLst>
               <a:ext uri="{FF2B5EF4-FFF2-40B4-BE49-F238E27FC236}">
-                <a16:creationId xmlns:a16="http://schemas.microsoft.com/office/drawing/2014/main" id="{4376D992-8E3B-D432-2097-902444353FB6}"/>
+                <a16:creationId xmlns:a16="http://schemas.microsoft.com/office/drawing/2014/main" xmlns="" id="{4376D992-8E3B-D432-2097-902444353FB6}"/>
               </a:ext>
             </a:extLst>
           </p:cNvPr>
@@ -1375,7 +1375,7 @@
           <a:p>
             <a:fld id="{29907E11-C153-43A0-B755-7A3EA43D0428}" type="datetimeFigureOut">
               <a:rPr lang="en-IN" smtClean="0"/>
-              <a:t>07-07-2022</a:t>
+              <a:t>08-07-2022</a:t>
             </a:fld>
             <a:endParaRPr lang="en-IN"/>
           </a:p>
@@ -1386,7 +1386,7 @@
           <p:cNvPr id="5" name="Footer Placeholder 4">
             <a:extLst>
               <a:ext uri="{FF2B5EF4-FFF2-40B4-BE49-F238E27FC236}">
-                <a16:creationId xmlns:a16="http://schemas.microsoft.com/office/drawing/2014/main" id="{83C95050-E3F6-004E-6EEA-3D21720087A9}"/>
+                <a16:creationId xmlns:a16="http://schemas.microsoft.com/office/drawing/2014/main" xmlns="" id="{83C95050-E3F6-004E-6EEA-3D21720087A9}"/>
               </a:ext>
             </a:extLst>
           </p:cNvPr>
@@ -1411,7 +1411,7 @@
           <p:cNvPr id="6" name="Slide Number Placeholder 5">
             <a:extLst>
               <a:ext uri="{FF2B5EF4-FFF2-40B4-BE49-F238E27FC236}">
-                <a16:creationId xmlns:a16="http://schemas.microsoft.com/office/drawing/2014/main" id="{50A5E834-E8D7-7B62-F573-9F9571C19C30}"/>
+                <a16:creationId xmlns:a16="http://schemas.microsoft.com/office/drawing/2014/main" xmlns="" id="{50A5E834-E8D7-7B62-F573-9F9571C19C30}"/>
               </a:ext>
             </a:extLst>
           </p:cNvPr>
@@ -1470,7 +1470,7 @@
           <p:cNvPr id="2" name="Title 1">
             <a:extLst>
               <a:ext uri="{FF2B5EF4-FFF2-40B4-BE49-F238E27FC236}">
-                <a16:creationId xmlns:a16="http://schemas.microsoft.com/office/drawing/2014/main" id="{48553136-F02F-BCB6-CA98-C84637F53710}"/>
+                <a16:creationId xmlns:a16="http://schemas.microsoft.com/office/drawing/2014/main" xmlns="" id="{48553136-F02F-BCB6-CA98-C84637F53710}"/>
               </a:ext>
             </a:extLst>
           </p:cNvPr>
@@ -1508,7 +1508,7 @@
           <p:cNvPr id="3" name="Text Placeholder 2">
             <a:extLst>
               <a:ext uri="{FF2B5EF4-FFF2-40B4-BE49-F238E27FC236}">
-                <a16:creationId xmlns:a16="http://schemas.microsoft.com/office/drawing/2014/main" id="{0280F1FD-3C5D-785A-8DCA-5FB1492AF68D}"/>
+                <a16:creationId xmlns:a16="http://schemas.microsoft.com/office/drawing/2014/main" xmlns="" id="{0280F1FD-3C5D-785A-8DCA-5FB1492AF68D}"/>
               </a:ext>
             </a:extLst>
           </p:cNvPr>
@@ -1633,7 +1633,7 @@
           <p:cNvPr id="4" name="Date Placeholder 3">
             <a:extLst>
               <a:ext uri="{FF2B5EF4-FFF2-40B4-BE49-F238E27FC236}">
-                <a16:creationId xmlns:a16="http://schemas.microsoft.com/office/drawing/2014/main" id="{5E4E1EBE-5867-4E74-69AC-FEA87D5226C1}"/>
+                <a16:creationId xmlns:a16="http://schemas.microsoft.com/office/drawing/2014/main" xmlns="" id="{5E4E1EBE-5867-4E74-69AC-FEA87D5226C1}"/>
               </a:ext>
             </a:extLst>
           </p:cNvPr>
@@ -1651,7 +1651,7 @@
           <a:p>
             <a:fld id="{29907E11-C153-43A0-B755-7A3EA43D0428}" type="datetimeFigureOut">
               <a:rPr lang="en-IN" smtClean="0"/>
-              <a:t>07-07-2022</a:t>
+              <a:t>08-07-2022</a:t>
             </a:fld>
             <a:endParaRPr lang="en-IN"/>
           </a:p>
@@ -1662,7 +1662,7 @@
           <p:cNvPr id="5" name="Footer Placeholder 4">
             <a:extLst>
               <a:ext uri="{FF2B5EF4-FFF2-40B4-BE49-F238E27FC236}">
-                <a16:creationId xmlns:a16="http://schemas.microsoft.com/office/drawing/2014/main" id="{B5F1BFD4-AE0D-429F-A99A-3B6BD3C3BB25}"/>
+                <a16:creationId xmlns:a16="http://schemas.microsoft.com/office/drawing/2014/main" xmlns="" id="{B5F1BFD4-AE0D-429F-A99A-3B6BD3C3BB25}"/>
               </a:ext>
             </a:extLst>
           </p:cNvPr>
@@ -1687,7 +1687,7 @@
           <p:cNvPr id="6" name="Slide Number Placeholder 5">
             <a:extLst>
               <a:ext uri="{FF2B5EF4-FFF2-40B4-BE49-F238E27FC236}">
-                <a16:creationId xmlns:a16="http://schemas.microsoft.com/office/drawing/2014/main" id="{9B9B6F16-4B02-51CB-F317-6658B8B0814E}"/>
+                <a16:creationId xmlns:a16="http://schemas.microsoft.com/office/drawing/2014/main" xmlns="" id="{9B9B6F16-4B02-51CB-F317-6658B8B0814E}"/>
               </a:ext>
             </a:extLst>
           </p:cNvPr>
@@ -1746,7 +1746,7 @@
           <p:cNvPr id="2" name="Title 1">
             <a:extLst>
               <a:ext uri="{FF2B5EF4-FFF2-40B4-BE49-F238E27FC236}">
-                <a16:creationId xmlns:a16="http://schemas.microsoft.com/office/drawing/2014/main" id="{E4AD338E-450A-E17D-210E-0DDB2C1F951B}"/>
+                <a16:creationId xmlns:a16="http://schemas.microsoft.com/office/drawing/2014/main" xmlns="" id="{E4AD338E-450A-E17D-210E-0DDB2C1F951B}"/>
               </a:ext>
             </a:extLst>
           </p:cNvPr>
@@ -1775,7 +1775,7 @@
           <p:cNvPr id="3" name="Content Placeholder 2">
             <a:extLst>
               <a:ext uri="{FF2B5EF4-FFF2-40B4-BE49-F238E27FC236}">
-                <a16:creationId xmlns:a16="http://schemas.microsoft.com/office/drawing/2014/main" id="{AFBAF12A-B1B7-B8AB-A6C5-DBF53A6BAB51}"/>
+                <a16:creationId xmlns:a16="http://schemas.microsoft.com/office/drawing/2014/main" xmlns="" id="{AFBAF12A-B1B7-B8AB-A6C5-DBF53A6BAB51}"/>
               </a:ext>
             </a:extLst>
           </p:cNvPr>
@@ -1838,7 +1838,7 @@
           <p:cNvPr id="4" name="Content Placeholder 3">
             <a:extLst>
               <a:ext uri="{FF2B5EF4-FFF2-40B4-BE49-F238E27FC236}">
-                <a16:creationId xmlns:a16="http://schemas.microsoft.com/office/drawing/2014/main" id="{A6B2E1AD-C4C8-619D-6430-31390928A8CD}"/>
+                <a16:creationId xmlns:a16="http://schemas.microsoft.com/office/drawing/2014/main" xmlns="" id="{A6B2E1AD-C4C8-619D-6430-31390928A8CD}"/>
               </a:ext>
             </a:extLst>
           </p:cNvPr>
@@ -1901,7 +1901,7 @@
           <p:cNvPr id="5" name="Date Placeholder 4">
             <a:extLst>
               <a:ext uri="{FF2B5EF4-FFF2-40B4-BE49-F238E27FC236}">
-                <a16:creationId xmlns:a16="http://schemas.microsoft.com/office/drawing/2014/main" id="{61166D83-39C8-1D72-E076-B280E460D3DA}"/>
+                <a16:creationId xmlns:a16="http://schemas.microsoft.com/office/drawing/2014/main" xmlns="" id="{61166D83-39C8-1D72-E076-B280E460D3DA}"/>
               </a:ext>
             </a:extLst>
           </p:cNvPr>
@@ -1919,7 +1919,7 @@
           <a:p>
             <a:fld id="{29907E11-C153-43A0-B755-7A3EA43D0428}" type="datetimeFigureOut">
               <a:rPr lang="en-IN" smtClean="0"/>
-              <a:t>07-07-2022</a:t>
+              <a:t>08-07-2022</a:t>
             </a:fld>
             <a:endParaRPr lang="en-IN"/>
           </a:p>
@@ -1930,7 +1930,7 @@
           <p:cNvPr id="6" name="Footer Placeholder 5">
             <a:extLst>
               <a:ext uri="{FF2B5EF4-FFF2-40B4-BE49-F238E27FC236}">
-                <a16:creationId xmlns:a16="http://schemas.microsoft.com/office/drawing/2014/main" id="{3522FB38-A7C0-E1D2-AC22-EE00DD6E93E1}"/>
+                <a16:creationId xmlns:a16="http://schemas.microsoft.com/office/drawing/2014/main" xmlns="" id="{3522FB38-A7C0-E1D2-AC22-EE00DD6E93E1}"/>
               </a:ext>
             </a:extLst>
           </p:cNvPr>
@@ -1955,7 +1955,7 @@
           <p:cNvPr id="7" name="Slide Number Placeholder 6">
             <a:extLst>
               <a:ext uri="{FF2B5EF4-FFF2-40B4-BE49-F238E27FC236}">
-                <a16:creationId xmlns:a16="http://schemas.microsoft.com/office/drawing/2014/main" id="{75B3BE99-7AB0-96FD-C684-BA0C00E9C767}"/>
+                <a16:creationId xmlns:a16="http://schemas.microsoft.com/office/drawing/2014/main" xmlns="" id="{75B3BE99-7AB0-96FD-C684-BA0C00E9C767}"/>
               </a:ext>
             </a:extLst>
           </p:cNvPr>
@@ -2014,7 +2014,7 @@
           <p:cNvPr id="2" name="Title 1">
             <a:extLst>
               <a:ext uri="{FF2B5EF4-FFF2-40B4-BE49-F238E27FC236}">
-                <a16:creationId xmlns:a16="http://schemas.microsoft.com/office/drawing/2014/main" id="{FADE00B2-4BC5-C697-D089-3B68D60B7193}"/>
+                <a16:creationId xmlns:a16="http://schemas.microsoft.com/office/drawing/2014/main" xmlns="" id="{FADE00B2-4BC5-C697-D089-3B68D60B7193}"/>
               </a:ext>
             </a:extLst>
           </p:cNvPr>
@@ -2048,7 +2048,7 @@
           <p:cNvPr id="3" name="Text Placeholder 2">
             <a:extLst>
               <a:ext uri="{FF2B5EF4-FFF2-40B4-BE49-F238E27FC236}">
-                <a16:creationId xmlns:a16="http://schemas.microsoft.com/office/drawing/2014/main" id="{8E034B7D-1112-92CF-1E13-232CBD2A4128}"/>
+                <a16:creationId xmlns:a16="http://schemas.microsoft.com/office/drawing/2014/main" xmlns="" id="{8E034B7D-1112-92CF-1E13-232CBD2A4128}"/>
               </a:ext>
             </a:extLst>
           </p:cNvPr>
@@ -2119,7 +2119,7 @@
           <p:cNvPr id="4" name="Content Placeholder 3">
             <a:extLst>
               <a:ext uri="{FF2B5EF4-FFF2-40B4-BE49-F238E27FC236}">
-                <a16:creationId xmlns:a16="http://schemas.microsoft.com/office/drawing/2014/main" id="{2ADE4EB4-6E89-F307-7B3E-C80AC0E83695}"/>
+                <a16:creationId xmlns:a16="http://schemas.microsoft.com/office/drawing/2014/main" xmlns="" id="{2ADE4EB4-6E89-F307-7B3E-C80AC0E83695}"/>
               </a:ext>
             </a:extLst>
           </p:cNvPr>
@@ -2182,7 +2182,7 @@
           <p:cNvPr id="5" name="Text Placeholder 4">
             <a:extLst>
               <a:ext uri="{FF2B5EF4-FFF2-40B4-BE49-F238E27FC236}">
-                <a16:creationId xmlns:a16="http://schemas.microsoft.com/office/drawing/2014/main" id="{DAC3747E-0FB6-8091-17CE-9C906CB0FB89}"/>
+                <a16:creationId xmlns:a16="http://schemas.microsoft.com/office/drawing/2014/main" xmlns="" id="{DAC3747E-0FB6-8091-17CE-9C906CB0FB89}"/>
               </a:ext>
             </a:extLst>
           </p:cNvPr>
@@ -2253,7 +2253,7 @@
           <p:cNvPr id="6" name="Content Placeholder 5">
             <a:extLst>
               <a:ext uri="{FF2B5EF4-FFF2-40B4-BE49-F238E27FC236}">
-                <a16:creationId xmlns:a16="http://schemas.microsoft.com/office/drawing/2014/main" id="{03D662CC-DB14-929B-93CE-CFE7B7D4AFB5}"/>
+                <a16:creationId xmlns:a16="http://schemas.microsoft.com/office/drawing/2014/main" xmlns="" id="{03D662CC-DB14-929B-93CE-CFE7B7D4AFB5}"/>
               </a:ext>
             </a:extLst>
           </p:cNvPr>
@@ -2316,7 +2316,7 @@
           <p:cNvPr id="7" name="Date Placeholder 6">
             <a:extLst>
               <a:ext uri="{FF2B5EF4-FFF2-40B4-BE49-F238E27FC236}">
-                <a16:creationId xmlns:a16="http://schemas.microsoft.com/office/drawing/2014/main" id="{A88B6299-F693-B953-135A-D96BCEB028BA}"/>
+                <a16:creationId xmlns:a16="http://schemas.microsoft.com/office/drawing/2014/main" xmlns="" id="{A88B6299-F693-B953-135A-D96BCEB028BA}"/>
               </a:ext>
             </a:extLst>
           </p:cNvPr>
@@ -2334,7 +2334,7 @@
           <a:p>
             <a:fld id="{29907E11-C153-43A0-B755-7A3EA43D0428}" type="datetimeFigureOut">
               <a:rPr lang="en-IN" smtClean="0"/>
-              <a:t>07-07-2022</a:t>
+              <a:t>08-07-2022</a:t>
             </a:fld>
             <a:endParaRPr lang="en-IN"/>
           </a:p>
@@ -2345,7 +2345,7 @@
           <p:cNvPr id="8" name="Footer Placeholder 7">
             <a:extLst>
               <a:ext uri="{FF2B5EF4-FFF2-40B4-BE49-F238E27FC236}">
-                <a16:creationId xmlns:a16="http://schemas.microsoft.com/office/drawing/2014/main" id="{B9E34034-EFC7-A768-2B7A-46E06FB11408}"/>
+                <a16:creationId xmlns:a16="http://schemas.microsoft.com/office/drawing/2014/main" xmlns="" id="{B9E34034-EFC7-A768-2B7A-46E06FB11408}"/>
               </a:ext>
             </a:extLst>
           </p:cNvPr>
@@ -2370,7 +2370,7 @@
           <p:cNvPr id="9" name="Slide Number Placeholder 8">
             <a:extLst>
               <a:ext uri="{FF2B5EF4-FFF2-40B4-BE49-F238E27FC236}">
-                <a16:creationId xmlns:a16="http://schemas.microsoft.com/office/drawing/2014/main" id="{734ABA11-2178-1450-20B2-AF603C47A3D8}"/>
+                <a16:creationId xmlns:a16="http://schemas.microsoft.com/office/drawing/2014/main" xmlns="" id="{734ABA11-2178-1450-20B2-AF603C47A3D8}"/>
               </a:ext>
             </a:extLst>
           </p:cNvPr>
@@ -2429,7 +2429,7 @@
           <p:cNvPr id="2" name="Title 1">
             <a:extLst>
               <a:ext uri="{FF2B5EF4-FFF2-40B4-BE49-F238E27FC236}">
-                <a16:creationId xmlns:a16="http://schemas.microsoft.com/office/drawing/2014/main" id="{F7D5081C-A834-CB31-5ED3-AB1D59F5593A}"/>
+                <a16:creationId xmlns:a16="http://schemas.microsoft.com/office/drawing/2014/main" xmlns="" id="{F7D5081C-A834-CB31-5ED3-AB1D59F5593A}"/>
               </a:ext>
             </a:extLst>
           </p:cNvPr>
@@ -2458,7 +2458,7 @@
           <p:cNvPr id="3" name="Date Placeholder 2">
             <a:extLst>
               <a:ext uri="{FF2B5EF4-FFF2-40B4-BE49-F238E27FC236}">
-                <a16:creationId xmlns:a16="http://schemas.microsoft.com/office/drawing/2014/main" id="{4E1D30B5-6D0E-E20F-CB5E-A7DB407BAC85}"/>
+                <a16:creationId xmlns:a16="http://schemas.microsoft.com/office/drawing/2014/main" xmlns="" id="{4E1D30B5-6D0E-E20F-CB5E-A7DB407BAC85}"/>
               </a:ext>
             </a:extLst>
           </p:cNvPr>
@@ -2476,7 +2476,7 @@
           <a:p>
             <a:fld id="{29907E11-C153-43A0-B755-7A3EA43D0428}" type="datetimeFigureOut">
               <a:rPr lang="en-IN" smtClean="0"/>
-              <a:t>07-07-2022</a:t>
+              <a:t>08-07-2022</a:t>
             </a:fld>
             <a:endParaRPr lang="en-IN"/>
           </a:p>
@@ -2487,7 +2487,7 @@
           <p:cNvPr id="4" name="Footer Placeholder 3">
             <a:extLst>
               <a:ext uri="{FF2B5EF4-FFF2-40B4-BE49-F238E27FC236}">
-                <a16:creationId xmlns:a16="http://schemas.microsoft.com/office/drawing/2014/main" id="{9536D0C5-11DE-A608-D55B-A3B25F34A48F}"/>
+                <a16:creationId xmlns:a16="http://schemas.microsoft.com/office/drawing/2014/main" xmlns="" id="{9536D0C5-11DE-A608-D55B-A3B25F34A48F}"/>
               </a:ext>
             </a:extLst>
           </p:cNvPr>
@@ -2512,7 +2512,7 @@
           <p:cNvPr id="5" name="Slide Number Placeholder 4">
             <a:extLst>
               <a:ext uri="{FF2B5EF4-FFF2-40B4-BE49-F238E27FC236}">
-                <a16:creationId xmlns:a16="http://schemas.microsoft.com/office/drawing/2014/main" id="{89C8A265-F6B2-BAC1-B078-5672811FA49D}"/>
+                <a16:creationId xmlns:a16="http://schemas.microsoft.com/office/drawing/2014/main" xmlns="" id="{89C8A265-F6B2-BAC1-B078-5672811FA49D}"/>
               </a:ext>
             </a:extLst>
           </p:cNvPr>
@@ -2571,7 +2571,7 @@
           <p:cNvPr id="2" name="Date Placeholder 1">
             <a:extLst>
               <a:ext uri="{FF2B5EF4-FFF2-40B4-BE49-F238E27FC236}">
-                <a16:creationId xmlns:a16="http://schemas.microsoft.com/office/drawing/2014/main" id="{26D0FA21-6E4B-2D54-93B4-BC765F2102BA}"/>
+                <a16:creationId xmlns:a16="http://schemas.microsoft.com/office/drawing/2014/main" xmlns="" id="{26D0FA21-6E4B-2D54-93B4-BC765F2102BA}"/>
               </a:ext>
             </a:extLst>
           </p:cNvPr>
@@ -2589,7 +2589,7 @@
           <a:p>
             <a:fld id="{29907E11-C153-43A0-B755-7A3EA43D0428}" type="datetimeFigureOut">
               <a:rPr lang="en-IN" smtClean="0"/>
-              <a:t>07-07-2022</a:t>
+              <a:t>08-07-2022</a:t>
             </a:fld>
             <a:endParaRPr lang="en-IN"/>
           </a:p>
@@ -2600,7 +2600,7 @@
           <p:cNvPr id="3" name="Footer Placeholder 2">
             <a:extLst>
               <a:ext uri="{FF2B5EF4-FFF2-40B4-BE49-F238E27FC236}">
-                <a16:creationId xmlns:a16="http://schemas.microsoft.com/office/drawing/2014/main" id="{255D3784-9DE5-1ADA-17B7-E77E1D89CEC4}"/>
+                <a16:creationId xmlns:a16="http://schemas.microsoft.com/office/drawing/2014/main" xmlns="" id="{255D3784-9DE5-1ADA-17B7-E77E1D89CEC4}"/>
               </a:ext>
             </a:extLst>
           </p:cNvPr>
@@ -2625,7 +2625,7 @@
           <p:cNvPr id="4" name="Slide Number Placeholder 3">
             <a:extLst>
               <a:ext uri="{FF2B5EF4-FFF2-40B4-BE49-F238E27FC236}">
-                <a16:creationId xmlns:a16="http://schemas.microsoft.com/office/drawing/2014/main" id="{FBBE54B4-E3CA-3FE8-1C10-B22EC199730B}"/>
+                <a16:creationId xmlns:a16="http://schemas.microsoft.com/office/drawing/2014/main" xmlns="" id="{FBBE54B4-E3CA-3FE8-1C10-B22EC199730B}"/>
               </a:ext>
             </a:extLst>
           </p:cNvPr>
@@ -2684,7 +2684,7 @@
           <p:cNvPr id="2" name="Title 1">
             <a:extLst>
               <a:ext uri="{FF2B5EF4-FFF2-40B4-BE49-F238E27FC236}">
-                <a16:creationId xmlns:a16="http://schemas.microsoft.com/office/drawing/2014/main" id="{53521C8B-6428-EEA8-C251-1AB31CF79E51}"/>
+                <a16:creationId xmlns:a16="http://schemas.microsoft.com/office/drawing/2014/main" xmlns="" id="{53521C8B-6428-EEA8-C251-1AB31CF79E51}"/>
               </a:ext>
             </a:extLst>
           </p:cNvPr>
@@ -2722,7 +2722,7 @@
           <p:cNvPr id="3" name="Content Placeholder 2">
             <a:extLst>
               <a:ext uri="{FF2B5EF4-FFF2-40B4-BE49-F238E27FC236}">
-                <a16:creationId xmlns:a16="http://schemas.microsoft.com/office/drawing/2014/main" id="{43EEB091-F5A0-4A9B-3C90-7E0F2A05E948}"/>
+                <a16:creationId xmlns:a16="http://schemas.microsoft.com/office/drawing/2014/main" xmlns="" id="{43EEB091-F5A0-4A9B-3C90-7E0F2A05E948}"/>
               </a:ext>
             </a:extLst>
           </p:cNvPr>
@@ -2813,7 +2813,7 @@
           <p:cNvPr id="4" name="Text Placeholder 3">
             <a:extLst>
               <a:ext uri="{FF2B5EF4-FFF2-40B4-BE49-F238E27FC236}">
-                <a16:creationId xmlns:a16="http://schemas.microsoft.com/office/drawing/2014/main" id="{FABAE45B-1C60-A471-B354-C372FC4FB66A}"/>
+                <a16:creationId xmlns:a16="http://schemas.microsoft.com/office/drawing/2014/main" xmlns="" id="{FABAE45B-1C60-A471-B354-C372FC4FB66A}"/>
               </a:ext>
             </a:extLst>
           </p:cNvPr>
@@ -2884,7 +2884,7 @@
           <p:cNvPr id="5" name="Date Placeholder 4">
             <a:extLst>
               <a:ext uri="{FF2B5EF4-FFF2-40B4-BE49-F238E27FC236}">
-                <a16:creationId xmlns:a16="http://schemas.microsoft.com/office/drawing/2014/main" id="{0B45A391-BF03-221D-E205-A72197175EE1}"/>
+                <a16:creationId xmlns:a16="http://schemas.microsoft.com/office/drawing/2014/main" xmlns="" id="{0B45A391-BF03-221D-E205-A72197175EE1}"/>
               </a:ext>
             </a:extLst>
           </p:cNvPr>
@@ -2902,7 +2902,7 @@
           <a:p>
             <a:fld id="{29907E11-C153-43A0-B755-7A3EA43D0428}" type="datetimeFigureOut">
               <a:rPr lang="en-IN" smtClean="0"/>
-              <a:t>07-07-2022</a:t>
+              <a:t>08-07-2022</a:t>
             </a:fld>
             <a:endParaRPr lang="en-IN"/>
           </a:p>
@@ -2913,7 +2913,7 @@
           <p:cNvPr id="6" name="Footer Placeholder 5">
             <a:extLst>
               <a:ext uri="{FF2B5EF4-FFF2-40B4-BE49-F238E27FC236}">
-                <a16:creationId xmlns:a16="http://schemas.microsoft.com/office/drawing/2014/main" id="{5493FF5A-8FFC-E710-B385-A01B49F3671B}"/>
+                <a16:creationId xmlns:a16="http://schemas.microsoft.com/office/drawing/2014/main" xmlns="" id="{5493FF5A-8FFC-E710-B385-A01B49F3671B}"/>
               </a:ext>
             </a:extLst>
           </p:cNvPr>
@@ -2938,7 +2938,7 @@
           <p:cNvPr id="7" name="Slide Number Placeholder 6">
             <a:extLst>
               <a:ext uri="{FF2B5EF4-FFF2-40B4-BE49-F238E27FC236}">
-                <a16:creationId xmlns:a16="http://schemas.microsoft.com/office/drawing/2014/main" id="{D0C3E219-09DA-70C5-E79C-108E8A293112}"/>
+                <a16:creationId xmlns:a16="http://schemas.microsoft.com/office/drawing/2014/main" xmlns="" id="{D0C3E219-09DA-70C5-E79C-108E8A293112}"/>
               </a:ext>
             </a:extLst>
           </p:cNvPr>
@@ -2997,7 +2997,7 @@
           <p:cNvPr id="2" name="Title 1">
             <a:extLst>
               <a:ext uri="{FF2B5EF4-FFF2-40B4-BE49-F238E27FC236}">
-                <a16:creationId xmlns:a16="http://schemas.microsoft.com/office/drawing/2014/main" id="{32A3AF15-0D21-D1FD-B1C1-1B430CC8F916}"/>
+                <a16:creationId xmlns:a16="http://schemas.microsoft.com/office/drawing/2014/main" xmlns="" id="{32A3AF15-0D21-D1FD-B1C1-1B430CC8F916}"/>
               </a:ext>
             </a:extLst>
           </p:cNvPr>
@@ -3035,7 +3035,7 @@
           <p:cNvPr id="3" name="Picture Placeholder 2">
             <a:extLst>
               <a:ext uri="{FF2B5EF4-FFF2-40B4-BE49-F238E27FC236}">
-                <a16:creationId xmlns:a16="http://schemas.microsoft.com/office/drawing/2014/main" id="{E739B4F0-E2B7-36DA-A2CC-21F608690499}"/>
+                <a16:creationId xmlns:a16="http://schemas.microsoft.com/office/drawing/2014/main" xmlns="" id="{E739B4F0-E2B7-36DA-A2CC-21F608690499}"/>
               </a:ext>
             </a:extLst>
           </p:cNvPr>
@@ -3102,7 +3102,7 @@
           <p:cNvPr id="4" name="Text Placeholder 3">
             <a:extLst>
               <a:ext uri="{FF2B5EF4-FFF2-40B4-BE49-F238E27FC236}">
-                <a16:creationId xmlns:a16="http://schemas.microsoft.com/office/drawing/2014/main" id="{BEF6D459-A027-69A0-FB3F-9B79DBAB3A74}"/>
+                <a16:creationId xmlns:a16="http://schemas.microsoft.com/office/drawing/2014/main" xmlns="" id="{BEF6D459-A027-69A0-FB3F-9B79DBAB3A74}"/>
               </a:ext>
             </a:extLst>
           </p:cNvPr>
@@ -3173,7 +3173,7 @@
           <p:cNvPr id="5" name="Date Placeholder 4">
             <a:extLst>
               <a:ext uri="{FF2B5EF4-FFF2-40B4-BE49-F238E27FC236}">
-                <a16:creationId xmlns:a16="http://schemas.microsoft.com/office/drawing/2014/main" id="{5AE03B21-ADF3-B884-14A2-71BA911BDF83}"/>
+                <a16:creationId xmlns:a16="http://schemas.microsoft.com/office/drawing/2014/main" xmlns="" id="{5AE03B21-ADF3-B884-14A2-71BA911BDF83}"/>
               </a:ext>
             </a:extLst>
           </p:cNvPr>
@@ -3191,7 +3191,7 @@
           <a:p>
             <a:fld id="{29907E11-C153-43A0-B755-7A3EA43D0428}" type="datetimeFigureOut">
               <a:rPr lang="en-IN" smtClean="0"/>
-              <a:t>07-07-2022</a:t>
+              <a:t>08-07-2022</a:t>
             </a:fld>
             <a:endParaRPr lang="en-IN"/>
           </a:p>
@@ -3202,7 +3202,7 @@
           <p:cNvPr id="6" name="Footer Placeholder 5">
             <a:extLst>
               <a:ext uri="{FF2B5EF4-FFF2-40B4-BE49-F238E27FC236}">
-                <a16:creationId xmlns:a16="http://schemas.microsoft.com/office/drawing/2014/main" id="{70CAA709-D7C6-3C2D-4D40-3327FE120819}"/>
+                <a16:creationId xmlns:a16="http://schemas.microsoft.com/office/drawing/2014/main" xmlns="" id="{70CAA709-D7C6-3C2D-4D40-3327FE120819}"/>
               </a:ext>
             </a:extLst>
           </p:cNvPr>
@@ -3227,7 +3227,7 @@
           <p:cNvPr id="7" name="Slide Number Placeholder 6">
             <a:extLst>
               <a:ext uri="{FF2B5EF4-FFF2-40B4-BE49-F238E27FC236}">
-                <a16:creationId xmlns:a16="http://schemas.microsoft.com/office/drawing/2014/main" id="{98796D65-579B-D065-5F68-CB1760E00E3B}"/>
+                <a16:creationId xmlns:a16="http://schemas.microsoft.com/office/drawing/2014/main" xmlns="" id="{98796D65-579B-D065-5F68-CB1760E00E3B}"/>
               </a:ext>
             </a:extLst>
           </p:cNvPr>
@@ -3291,7 +3291,7 @@
           <p:cNvPr id="2" name="Title Placeholder 1">
             <a:extLst>
               <a:ext uri="{FF2B5EF4-FFF2-40B4-BE49-F238E27FC236}">
-                <a16:creationId xmlns:a16="http://schemas.microsoft.com/office/drawing/2014/main" id="{26759BFE-122C-11DB-CC68-9D49B1E2DC9D}"/>
+                <a16:creationId xmlns:a16="http://schemas.microsoft.com/office/drawing/2014/main" xmlns="" id="{26759BFE-122C-11DB-CC68-9D49B1E2DC9D}"/>
               </a:ext>
             </a:extLst>
           </p:cNvPr>
@@ -3330,7 +3330,7 @@
           <p:cNvPr id="3" name="Text Placeholder 2">
             <a:extLst>
               <a:ext uri="{FF2B5EF4-FFF2-40B4-BE49-F238E27FC236}">
-                <a16:creationId xmlns:a16="http://schemas.microsoft.com/office/drawing/2014/main" id="{14B64BC9-5778-6361-3C22-9A00DC0AFAAC}"/>
+                <a16:creationId xmlns:a16="http://schemas.microsoft.com/office/drawing/2014/main" xmlns="" id="{14B64BC9-5778-6361-3C22-9A00DC0AFAAC}"/>
               </a:ext>
             </a:extLst>
           </p:cNvPr>
@@ -3398,7 +3398,7 @@
           <p:cNvPr id="4" name="Date Placeholder 3">
             <a:extLst>
               <a:ext uri="{FF2B5EF4-FFF2-40B4-BE49-F238E27FC236}">
-                <a16:creationId xmlns:a16="http://schemas.microsoft.com/office/drawing/2014/main" id="{CE6635BA-74B7-BF20-06A2-CAC3CBB71D48}"/>
+                <a16:creationId xmlns:a16="http://schemas.microsoft.com/office/drawing/2014/main" xmlns="" id="{CE6635BA-74B7-BF20-06A2-CAC3CBB71D48}"/>
               </a:ext>
             </a:extLst>
           </p:cNvPr>
@@ -3434,7 +3434,7 @@
           <a:p>
             <a:fld id="{29907E11-C153-43A0-B755-7A3EA43D0428}" type="datetimeFigureOut">
               <a:rPr lang="en-IN" smtClean="0"/>
-              <a:t>07-07-2022</a:t>
+              <a:t>08-07-2022</a:t>
             </a:fld>
             <a:endParaRPr lang="en-IN"/>
           </a:p>
@@ -3445,7 +3445,7 @@
           <p:cNvPr id="5" name="Footer Placeholder 4">
             <a:extLst>
               <a:ext uri="{FF2B5EF4-FFF2-40B4-BE49-F238E27FC236}">
-                <a16:creationId xmlns:a16="http://schemas.microsoft.com/office/drawing/2014/main" id="{6665F473-BC0E-7229-1F3D-407A40E0F42E}"/>
+                <a16:creationId xmlns:a16="http://schemas.microsoft.com/office/drawing/2014/main" xmlns="" id="{6665F473-BC0E-7229-1F3D-407A40E0F42E}"/>
               </a:ext>
             </a:extLst>
           </p:cNvPr>
@@ -3488,7 +3488,7 @@
           <p:cNvPr id="6" name="Slide Number Placeholder 5">
             <a:extLst>
               <a:ext uri="{FF2B5EF4-FFF2-40B4-BE49-F238E27FC236}">
-                <a16:creationId xmlns:a16="http://schemas.microsoft.com/office/drawing/2014/main" id="{2749C178-6BA8-8FED-C598-5F518D36071B}"/>
+                <a16:creationId xmlns:a16="http://schemas.microsoft.com/office/drawing/2014/main" xmlns="" id="{2749C178-6BA8-8FED-C598-5F518D36071B}"/>
               </a:ext>
             </a:extLst>
           </p:cNvPr>
@@ -3856,7 +3856,7 @@
           <p:cNvPr id="4" name="Title 3">
             <a:extLst>
               <a:ext uri="{FF2B5EF4-FFF2-40B4-BE49-F238E27FC236}">
-                <a16:creationId xmlns:a16="http://schemas.microsoft.com/office/drawing/2014/main" id="{E67DCB66-90CB-5D0C-B6BC-2E3D7620A6C6}"/>
+                <a16:creationId xmlns:a16="http://schemas.microsoft.com/office/drawing/2014/main" xmlns="" id="{E67DCB66-90CB-5D0C-B6BC-2E3D7620A6C6}"/>
               </a:ext>
             </a:extLst>
           </p:cNvPr>
@@ -3884,7 +3884,7 @@
           <p:cNvPr id="5" name="Subtitle 4">
             <a:extLst>
               <a:ext uri="{FF2B5EF4-FFF2-40B4-BE49-F238E27FC236}">
-                <a16:creationId xmlns:a16="http://schemas.microsoft.com/office/drawing/2014/main" id="{0D3602B3-740F-9A40-FCA6-52069B6DD627}"/>
+                <a16:creationId xmlns:a16="http://schemas.microsoft.com/office/drawing/2014/main" xmlns="" id="{0D3602B3-740F-9A40-FCA6-52069B6DD627}"/>
               </a:ext>
             </a:extLst>
           </p:cNvPr>
@@ -3949,7 +3949,7 @@
           <p:cNvPr id="4" name="Title 3">
             <a:extLst>
               <a:ext uri="{FF2B5EF4-FFF2-40B4-BE49-F238E27FC236}">
-                <a16:creationId xmlns:a16="http://schemas.microsoft.com/office/drawing/2014/main" id="{AF1EB0A5-5649-9949-5292-FBA4E6CDCEFC}"/>
+                <a16:creationId xmlns:a16="http://schemas.microsoft.com/office/drawing/2014/main" xmlns="" id="{AF1EB0A5-5649-9949-5292-FBA4E6CDCEFC}"/>
               </a:ext>
             </a:extLst>
           </p:cNvPr>
@@ -3985,7 +3985,7 @@
           <p:cNvPr id="7" name="TextBox 6">
             <a:extLst>
               <a:ext uri="{FF2B5EF4-FFF2-40B4-BE49-F238E27FC236}">
-                <a16:creationId xmlns:a16="http://schemas.microsoft.com/office/drawing/2014/main" id="{8200F0F9-A9E9-B5BE-FB39-44BF48C15B0D}"/>
+                <a16:creationId xmlns:a16="http://schemas.microsoft.com/office/drawing/2014/main" xmlns="" id="{8200F0F9-A9E9-B5BE-FB39-44BF48C15B0D}"/>
               </a:ext>
             </a:extLst>
           </p:cNvPr>
@@ -4034,7 +4034,7 @@
           <p:cNvPr id="21" name="Picture 20">
             <a:extLst>
               <a:ext uri="{FF2B5EF4-FFF2-40B4-BE49-F238E27FC236}">
-                <a16:creationId xmlns:a16="http://schemas.microsoft.com/office/drawing/2014/main" id="{D1F0E2FF-69B7-43CF-3062-F46068DB6593}"/>
+                <a16:creationId xmlns:a16="http://schemas.microsoft.com/office/drawing/2014/main" xmlns="" id="{D1F0E2FF-69B7-43CF-3062-F46068DB6593}"/>
               </a:ext>
             </a:extLst>
           </p:cNvPr>
@@ -4064,7 +4064,7 @@
           <p:cNvPr id="23" name="Picture 22">
             <a:extLst>
               <a:ext uri="{FF2B5EF4-FFF2-40B4-BE49-F238E27FC236}">
-                <a16:creationId xmlns:a16="http://schemas.microsoft.com/office/drawing/2014/main" id="{7A0F2F39-4845-7086-F159-BB58700ED391}"/>
+                <a16:creationId xmlns:a16="http://schemas.microsoft.com/office/drawing/2014/main" xmlns="" id="{7A0F2F39-4845-7086-F159-BB58700ED391}"/>
               </a:ext>
             </a:extLst>
           </p:cNvPr>
@@ -4094,7 +4094,7 @@
           <p:cNvPr id="25" name="Picture 24">
             <a:extLst>
               <a:ext uri="{FF2B5EF4-FFF2-40B4-BE49-F238E27FC236}">
-                <a16:creationId xmlns:a16="http://schemas.microsoft.com/office/drawing/2014/main" id="{10CC8859-166C-8068-9D26-BAC977879919}"/>
+                <a16:creationId xmlns:a16="http://schemas.microsoft.com/office/drawing/2014/main" xmlns="" id="{10CC8859-166C-8068-9D26-BAC977879919}"/>
               </a:ext>
             </a:extLst>
           </p:cNvPr>
@@ -4154,7 +4154,7 @@
           <p:cNvPr id="4" name="Title 3">
             <a:extLst>
               <a:ext uri="{FF2B5EF4-FFF2-40B4-BE49-F238E27FC236}">
-                <a16:creationId xmlns:a16="http://schemas.microsoft.com/office/drawing/2014/main" id="{AF1EB0A5-5649-9949-5292-FBA4E6CDCEFC}"/>
+                <a16:creationId xmlns:a16="http://schemas.microsoft.com/office/drawing/2014/main" xmlns="" id="{AF1EB0A5-5649-9949-5292-FBA4E6CDCEFC}"/>
               </a:ext>
             </a:extLst>
           </p:cNvPr>
@@ -4190,7 +4190,7 @@
           <p:cNvPr id="7" name="TextBox 6">
             <a:extLst>
               <a:ext uri="{FF2B5EF4-FFF2-40B4-BE49-F238E27FC236}">
-                <a16:creationId xmlns:a16="http://schemas.microsoft.com/office/drawing/2014/main" id="{8200F0F9-A9E9-B5BE-FB39-44BF48C15B0D}"/>
+                <a16:creationId xmlns:a16="http://schemas.microsoft.com/office/drawing/2014/main" xmlns="" id="{8200F0F9-A9E9-B5BE-FB39-44BF48C15B0D}"/>
               </a:ext>
             </a:extLst>
           </p:cNvPr>
@@ -4266,7 +4266,7 @@
           <p:cNvPr id="6" name="Picture 5">
             <a:extLst>
               <a:ext uri="{FF2B5EF4-FFF2-40B4-BE49-F238E27FC236}">
-                <a16:creationId xmlns:a16="http://schemas.microsoft.com/office/drawing/2014/main" id="{2EB33908-68A0-995A-5575-C5635AE8C06A}"/>
+                <a16:creationId xmlns:a16="http://schemas.microsoft.com/office/drawing/2014/main" xmlns="" id="{2EB33908-68A0-995A-5575-C5635AE8C06A}"/>
               </a:ext>
             </a:extLst>
           </p:cNvPr>
@@ -4296,7 +4296,7 @@
           <p:cNvPr id="9" name="Picture 8">
             <a:extLst>
               <a:ext uri="{FF2B5EF4-FFF2-40B4-BE49-F238E27FC236}">
-                <a16:creationId xmlns:a16="http://schemas.microsoft.com/office/drawing/2014/main" id="{EDF6D5AA-DA04-B0A1-270D-3BE907756DBB}"/>
+                <a16:creationId xmlns:a16="http://schemas.microsoft.com/office/drawing/2014/main" xmlns="" id="{EDF6D5AA-DA04-B0A1-270D-3BE907756DBB}"/>
               </a:ext>
             </a:extLst>
           </p:cNvPr>
@@ -4356,7 +4356,7 @@
           <p:cNvPr id="4" name="Title 3">
             <a:extLst>
               <a:ext uri="{FF2B5EF4-FFF2-40B4-BE49-F238E27FC236}">
-                <a16:creationId xmlns:a16="http://schemas.microsoft.com/office/drawing/2014/main" id="{AF1EB0A5-5649-9949-5292-FBA4E6CDCEFC}"/>
+                <a16:creationId xmlns:a16="http://schemas.microsoft.com/office/drawing/2014/main" xmlns="" id="{AF1EB0A5-5649-9949-5292-FBA4E6CDCEFC}"/>
               </a:ext>
             </a:extLst>
           </p:cNvPr>
@@ -4392,7 +4392,7 @@
           <p:cNvPr id="7" name="TextBox 6">
             <a:extLst>
               <a:ext uri="{FF2B5EF4-FFF2-40B4-BE49-F238E27FC236}">
-                <a16:creationId xmlns:a16="http://schemas.microsoft.com/office/drawing/2014/main" id="{8200F0F9-A9E9-B5BE-FB39-44BF48C15B0D}"/>
+                <a16:creationId xmlns:a16="http://schemas.microsoft.com/office/drawing/2014/main" xmlns="" id="{8200F0F9-A9E9-B5BE-FB39-44BF48C15B0D}"/>
               </a:ext>
             </a:extLst>
           </p:cNvPr>
@@ -4441,7 +4441,7 @@
           <p:cNvPr id="3" name="Picture 2">
             <a:extLst>
               <a:ext uri="{FF2B5EF4-FFF2-40B4-BE49-F238E27FC236}">
-                <a16:creationId xmlns:a16="http://schemas.microsoft.com/office/drawing/2014/main" id="{D1B639DD-3030-601B-2726-F463B2F48E4C}"/>
+                <a16:creationId xmlns:a16="http://schemas.microsoft.com/office/drawing/2014/main" xmlns="" id="{D1B639DD-3030-601B-2726-F463B2F48E4C}"/>
               </a:ext>
             </a:extLst>
           </p:cNvPr>
@@ -4501,7 +4501,7 @@
           <p:cNvPr id="2" name="Title 1">
             <a:extLst>
               <a:ext uri="{FF2B5EF4-FFF2-40B4-BE49-F238E27FC236}">
-                <a16:creationId xmlns:a16="http://schemas.microsoft.com/office/drawing/2014/main" id="{2E4334AC-E0F3-EECA-F6EE-2181E1010629}"/>
+                <a16:creationId xmlns:a16="http://schemas.microsoft.com/office/drawing/2014/main" xmlns="" id="{2E4334AC-E0F3-EECA-F6EE-2181E1010629}"/>
               </a:ext>
             </a:extLst>
           </p:cNvPr>
@@ -4536,7 +4536,7 @@
           <p:cNvPr id="4" name="Text Placeholder 3">
             <a:extLst>
               <a:ext uri="{FF2B5EF4-FFF2-40B4-BE49-F238E27FC236}">
-                <a16:creationId xmlns:a16="http://schemas.microsoft.com/office/drawing/2014/main" id="{5EBC900F-3D7F-48E1-9328-01DDCE62E8D1}"/>
+                <a16:creationId xmlns:a16="http://schemas.microsoft.com/office/drawing/2014/main" xmlns="" id="{5EBC900F-3D7F-48E1-9328-01DDCE62E8D1}"/>
               </a:ext>
             </a:extLst>
           </p:cNvPr>
@@ -4576,7 +4576,7 @@
           <p:cNvPr id="7" name="TextBox 6">
             <a:extLst>
               <a:ext uri="{FF2B5EF4-FFF2-40B4-BE49-F238E27FC236}">
-                <a16:creationId xmlns:a16="http://schemas.microsoft.com/office/drawing/2014/main" id="{00D35D7C-D03F-47ED-E2B3-F7379503C5FF}"/>
+                <a16:creationId xmlns:a16="http://schemas.microsoft.com/office/drawing/2014/main" xmlns="" id="{00D35D7C-D03F-47ED-E2B3-F7379503C5FF}"/>
               </a:ext>
             </a:extLst>
           </p:cNvPr>
@@ -4622,7 +4622,7 @@
           <p:cNvPr id="9" name="Picture 8">
             <a:extLst>
               <a:ext uri="{FF2B5EF4-FFF2-40B4-BE49-F238E27FC236}">
-                <a16:creationId xmlns:a16="http://schemas.microsoft.com/office/drawing/2014/main" id="{9BCAE38A-F114-346F-630E-90FE2892F58D}"/>
+                <a16:creationId xmlns:a16="http://schemas.microsoft.com/office/drawing/2014/main" xmlns="" id="{9BCAE38A-F114-346F-630E-90FE2892F58D}"/>
               </a:ext>
             </a:extLst>
           </p:cNvPr>
@@ -4652,7 +4652,7 @@
           <p:cNvPr id="11" name="Picture 10">
             <a:extLst>
               <a:ext uri="{FF2B5EF4-FFF2-40B4-BE49-F238E27FC236}">
-                <a16:creationId xmlns:a16="http://schemas.microsoft.com/office/drawing/2014/main" id="{CC17CC39-3802-04D5-3155-6B52B75D261F}"/>
+                <a16:creationId xmlns:a16="http://schemas.microsoft.com/office/drawing/2014/main" xmlns="" id="{CC17CC39-3802-04D5-3155-6B52B75D261F}"/>
               </a:ext>
             </a:extLst>
           </p:cNvPr>
@@ -4682,7 +4682,7 @@
           <p:cNvPr id="5" name="Picture 4">
             <a:extLst>
               <a:ext uri="{FF2B5EF4-FFF2-40B4-BE49-F238E27FC236}">
-                <a16:creationId xmlns:a16="http://schemas.microsoft.com/office/drawing/2014/main" id="{75F6C70D-0175-E5B0-4B9C-89FF70E05005}"/>
+                <a16:creationId xmlns:a16="http://schemas.microsoft.com/office/drawing/2014/main" xmlns="" id="{75F6C70D-0175-E5B0-4B9C-89FF70E05005}"/>
               </a:ext>
             </a:extLst>
           </p:cNvPr>
@@ -4742,7 +4742,7 @@
           <p:cNvPr id="2" name="Title 1">
             <a:extLst>
               <a:ext uri="{FF2B5EF4-FFF2-40B4-BE49-F238E27FC236}">
-                <a16:creationId xmlns:a16="http://schemas.microsoft.com/office/drawing/2014/main" id="{2E4334AC-E0F3-EECA-F6EE-2181E1010629}"/>
+                <a16:creationId xmlns:a16="http://schemas.microsoft.com/office/drawing/2014/main" xmlns="" id="{2E4334AC-E0F3-EECA-F6EE-2181E1010629}"/>
               </a:ext>
             </a:extLst>
           </p:cNvPr>
@@ -4777,7 +4777,7 @@
           <p:cNvPr id="4" name="Text Placeholder 3">
             <a:extLst>
               <a:ext uri="{FF2B5EF4-FFF2-40B4-BE49-F238E27FC236}">
-                <a16:creationId xmlns:a16="http://schemas.microsoft.com/office/drawing/2014/main" id="{5EBC900F-3D7F-48E1-9328-01DDCE62E8D1}"/>
+                <a16:creationId xmlns:a16="http://schemas.microsoft.com/office/drawing/2014/main" xmlns="" id="{5EBC900F-3D7F-48E1-9328-01DDCE62E8D1}"/>
               </a:ext>
             </a:extLst>
           </p:cNvPr>
@@ -4849,7 +4849,7 @@
           <p:cNvPr id="5" name="Picture 4">
             <a:extLst>
               <a:ext uri="{FF2B5EF4-FFF2-40B4-BE49-F238E27FC236}">
-                <a16:creationId xmlns:a16="http://schemas.microsoft.com/office/drawing/2014/main" id="{AB69D940-2A5F-73E3-D9DE-A66C4F766C20}"/>
+                <a16:creationId xmlns:a16="http://schemas.microsoft.com/office/drawing/2014/main" xmlns="" id="{AB69D940-2A5F-73E3-D9DE-A66C4F766C20}"/>
               </a:ext>
             </a:extLst>
           </p:cNvPr>
@@ -4879,7 +4879,7 @@
           <p:cNvPr id="6" name="Picture 5">
             <a:extLst>
               <a:ext uri="{FF2B5EF4-FFF2-40B4-BE49-F238E27FC236}">
-                <a16:creationId xmlns:a16="http://schemas.microsoft.com/office/drawing/2014/main" id="{4365426A-94CF-CF3D-C58A-62C31EFB8AD7}"/>
+                <a16:creationId xmlns:a16="http://schemas.microsoft.com/office/drawing/2014/main" xmlns="" id="{4365426A-94CF-CF3D-C58A-62C31EFB8AD7}"/>
               </a:ext>
             </a:extLst>
           </p:cNvPr>
@@ -4939,7 +4939,7 @@
           <p:cNvPr id="2" name="Title 1">
             <a:extLst>
               <a:ext uri="{FF2B5EF4-FFF2-40B4-BE49-F238E27FC236}">
-                <a16:creationId xmlns:a16="http://schemas.microsoft.com/office/drawing/2014/main" id="{2E4334AC-E0F3-EECA-F6EE-2181E1010629}"/>
+                <a16:creationId xmlns:a16="http://schemas.microsoft.com/office/drawing/2014/main" xmlns="" id="{2E4334AC-E0F3-EECA-F6EE-2181E1010629}"/>
               </a:ext>
             </a:extLst>
           </p:cNvPr>
@@ -4978,7 +4978,7 @@
           <p:cNvPr id="4" name="Text Placeholder 3">
             <a:extLst>
               <a:ext uri="{FF2B5EF4-FFF2-40B4-BE49-F238E27FC236}">
-                <a16:creationId xmlns:a16="http://schemas.microsoft.com/office/drawing/2014/main" id="{5EBC900F-3D7F-48E1-9328-01DDCE62E8D1}"/>
+                <a16:creationId xmlns:a16="http://schemas.microsoft.com/office/drawing/2014/main" xmlns="" id="{5EBC900F-3D7F-48E1-9328-01DDCE62E8D1}"/>
               </a:ext>
             </a:extLst>
           </p:cNvPr>
@@ -5069,7 +5069,7 @@
           <p:cNvPr id="6" name="Picture 5">
             <a:extLst>
               <a:ext uri="{FF2B5EF4-FFF2-40B4-BE49-F238E27FC236}">
-                <a16:creationId xmlns:a16="http://schemas.microsoft.com/office/drawing/2014/main" id="{0C5F118B-30A9-C06B-470B-DF993087C663}"/>
+                <a16:creationId xmlns:a16="http://schemas.microsoft.com/office/drawing/2014/main" xmlns="" id="{0C5F118B-30A9-C06B-470B-DF993087C663}"/>
               </a:ext>
             </a:extLst>
           </p:cNvPr>
@@ -5099,7 +5099,7 @@
           <p:cNvPr id="8" name="Picture 7">
             <a:extLst>
               <a:ext uri="{FF2B5EF4-FFF2-40B4-BE49-F238E27FC236}">
-                <a16:creationId xmlns:a16="http://schemas.microsoft.com/office/drawing/2014/main" id="{3B527822-4444-3F2A-00F9-F0A56B79B5C4}"/>
+                <a16:creationId xmlns:a16="http://schemas.microsoft.com/office/drawing/2014/main" xmlns="" id="{3B527822-4444-3F2A-00F9-F0A56B79B5C4}"/>
               </a:ext>
             </a:extLst>
           </p:cNvPr>
@@ -5129,7 +5129,7 @@
           <p:cNvPr id="10" name="Picture 9">
             <a:extLst>
               <a:ext uri="{FF2B5EF4-FFF2-40B4-BE49-F238E27FC236}">
-                <a16:creationId xmlns:a16="http://schemas.microsoft.com/office/drawing/2014/main" id="{596AFD81-B285-0EB2-3BD9-FF02EAA43782}"/>
+                <a16:creationId xmlns:a16="http://schemas.microsoft.com/office/drawing/2014/main" xmlns="" id="{596AFD81-B285-0EB2-3BD9-FF02EAA43782}"/>
               </a:ext>
             </a:extLst>
           </p:cNvPr>
@@ -5189,7 +5189,7 @@
           <p:cNvPr id="2" name="Title 1">
             <a:extLst>
               <a:ext uri="{FF2B5EF4-FFF2-40B4-BE49-F238E27FC236}">
-                <a16:creationId xmlns:a16="http://schemas.microsoft.com/office/drawing/2014/main" id="{2E4334AC-E0F3-EECA-F6EE-2181E1010629}"/>
+                <a16:creationId xmlns:a16="http://schemas.microsoft.com/office/drawing/2014/main" xmlns="" id="{2E4334AC-E0F3-EECA-F6EE-2181E1010629}"/>
               </a:ext>
             </a:extLst>
           </p:cNvPr>
@@ -5225,7 +5225,7 @@
           <p:cNvPr id="4" name="Text Placeholder 3">
             <a:extLst>
               <a:ext uri="{FF2B5EF4-FFF2-40B4-BE49-F238E27FC236}">
-                <a16:creationId xmlns:a16="http://schemas.microsoft.com/office/drawing/2014/main" id="{5EBC900F-3D7F-48E1-9328-01DDCE62E8D1}"/>
+                <a16:creationId xmlns:a16="http://schemas.microsoft.com/office/drawing/2014/main" xmlns="" id="{5EBC900F-3D7F-48E1-9328-01DDCE62E8D1}"/>
               </a:ext>
             </a:extLst>
           </p:cNvPr>
@@ -5287,7 +5287,7 @@
           <p:cNvPr id="12" name="Picture 11">
             <a:extLst>
               <a:ext uri="{FF2B5EF4-FFF2-40B4-BE49-F238E27FC236}">
-                <a16:creationId xmlns:a16="http://schemas.microsoft.com/office/drawing/2014/main" id="{7AF48EFB-2728-5184-E959-4FE1370AEF51}"/>
+                <a16:creationId xmlns:a16="http://schemas.microsoft.com/office/drawing/2014/main" xmlns="" id="{7AF48EFB-2728-5184-E959-4FE1370AEF51}"/>
               </a:ext>
             </a:extLst>
           </p:cNvPr>
@@ -5317,7 +5317,7 @@
           <p:cNvPr id="14" name="Picture 13">
             <a:extLst>
               <a:ext uri="{FF2B5EF4-FFF2-40B4-BE49-F238E27FC236}">
-                <a16:creationId xmlns:a16="http://schemas.microsoft.com/office/drawing/2014/main" id="{916F7459-D642-61E4-F3AB-5C327BA25A4C}"/>
+                <a16:creationId xmlns:a16="http://schemas.microsoft.com/office/drawing/2014/main" xmlns="" id="{916F7459-D642-61E4-F3AB-5C327BA25A4C}"/>
               </a:ext>
             </a:extLst>
           </p:cNvPr>
@@ -5377,7 +5377,7 @@
           <p:cNvPr id="2" name="Title 1">
             <a:extLst>
               <a:ext uri="{FF2B5EF4-FFF2-40B4-BE49-F238E27FC236}">
-                <a16:creationId xmlns:a16="http://schemas.microsoft.com/office/drawing/2014/main" id="{2E4334AC-E0F3-EECA-F6EE-2181E1010629}"/>
+                <a16:creationId xmlns:a16="http://schemas.microsoft.com/office/drawing/2014/main" xmlns="" id="{2E4334AC-E0F3-EECA-F6EE-2181E1010629}"/>
               </a:ext>
             </a:extLst>
           </p:cNvPr>
@@ -5413,7 +5413,7 @@
           <p:cNvPr id="4" name="Text Placeholder 3">
             <a:extLst>
               <a:ext uri="{FF2B5EF4-FFF2-40B4-BE49-F238E27FC236}">
-                <a16:creationId xmlns:a16="http://schemas.microsoft.com/office/drawing/2014/main" id="{5EBC900F-3D7F-48E1-9328-01DDCE62E8D1}"/>
+                <a16:creationId xmlns:a16="http://schemas.microsoft.com/office/drawing/2014/main" xmlns="" id="{5EBC900F-3D7F-48E1-9328-01DDCE62E8D1}"/>
               </a:ext>
             </a:extLst>
           </p:cNvPr>
@@ -5632,7 +5632,7 @@
           <p:cNvPr id="2" name="Title 1">
             <a:extLst>
               <a:ext uri="{FF2B5EF4-FFF2-40B4-BE49-F238E27FC236}">
-                <a16:creationId xmlns:a16="http://schemas.microsoft.com/office/drawing/2014/main" id="{FD032C0E-D4DE-4984-4F6A-F9CA9AFEE1F3}"/>
+                <a16:creationId xmlns:a16="http://schemas.microsoft.com/office/drawing/2014/main" xmlns="" id="{FD032C0E-D4DE-4984-4F6A-F9CA9AFEE1F3}"/>
               </a:ext>
             </a:extLst>
           </p:cNvPr>
@@ -5666,7 +5666,7 @@
           <p:cNvPr id="11" name="TextBox 10">
             <a:extLst>
               <a:ext uri="{FF2B5EF4-FFF2-40B4-BE49-F238E27FC236}">
-                <a16:creationId xmlns:a16="http://schemas.microsoft.com/office/drawing/2014/main" id="{DBBC2C1B-8579-00C4-B544-FFBFCA129D7D}"/>
+                <a16:creationId xmlns:a16="http://schemas.microsoft.com/office/drawing/2014/main" xmlns="" id="{DBBC2C1B-8579-00C4-B544-FFBFCA129D7D}"/>
               </a:ext>
             </a:extLst>
           </p:cNvPr>
@@ -5802,7 +5802,7 @@
           <p:cNvPr id="16" name="Picture 15">
             <a:extLst>
               <a:ext uri="{FF2B5EF4-FFF2-40B4-BE49-F238E27FC236}">
-                <a16:creationId xmlns:a16="http://schemas.microsoft.com/office/drawing/2014/main" id="{FC7CD185-56BF-1CFE-A15C-EAD09A269BAB}"/>
+                <a16:creationId xmlns:a16="http://schemas.microsoft.com/office/drawing/2014/main" xmlns="" id="{FC7CD185-56BF-1CFE-A15C-EAD09A269BAB}"/>
               </a:ext>
             </a:extLst>
           </p:cNvPr>
@@ -5832,7 +5832,7 @@
           <p:cNvPr id="20" name="Picture 19">
             <a:extLst>
               <a:ext uri="{FF2B5EF4-FFF2-40B4-BE49-F238E27FC236}">
-                <a16:creationId xmlns:a16="http://schemas.microsoft.com/office/drawing/2014/main" id="{A5151F2A-5BCE-72A9-D21E-F9A9CA9BDC6A}"/>
+                <a16:creationId xmlns:a16="http://schemas.microsoft.com/office/drawing/2014/main" xmlns="" id="{A5151F2A-5BCE-72A9-D21E-F9A9CA9BDC6A}"/>
               </a:ext>
             </a:extLst>
           </p:cNvPr>
@@ -5862,7 +5862,7 @@
           <p:cNvPr id="23" name="Picture 22">
             <a:extLst>
               <a:ext uri="{FF2B5EF4-FFF2-40B4-BE49-F238E27FC236}">
-                <a16:creationId xmlns:a16="http://schemas.microsoft.com/office/drawing/2014/main" id="{4583C4DF-7FA0-14F5-0323-F51DC63E9A89}"/>
+                <a16:creationId xmlns:a16="http://schemas.microsoft.com/office/drawing/2014/main" xmlns="" id="{4583C4DF-7FA0-14F5-0323-F51DC63E9A89}"/>
               </a:ext>
             </a:extLst>
           </p:cNvPr>
@@ -5922,7 +5922,7 @@
           <p:cNvPr id="2" name="Title 1">
             <a:extLst>
               <a:ext uri="{FF2B5EF4-FFF2-40B4-BE49-F238E27FC236}">
-                <a16:creationId xmlns:a16="http://schemas.microsoft.com/office/drawing/2014/main" id="{FD032C0E-D4DE-4984-4F6A-F9CA9AFEE1F3}"/>
+                <a16:creationId xmlns:a16="http://schemas.microsoft.com/office/drawing/2014/main" xmlns="" id="{FD032C0E-D4DE-4984-4F6A-F9CA9AFEE1F3}"/>
               </a:ext>
             </a:extLst>
           </p:cNvPr>
@@ -5956,7 +5956,7 @@
           <p:cNvPr id="11" name="TextBox 10">
             <a:extLst>
               <a:ext uri="{FF2B5EF4-FFF2-40B4-BE49-F238E27FC236}">
-                <a16:creationId xmlns:a16="http://schemas.microsoft.com/office/drawing/2014/main" id="{DBBC2C1B-8579-00C4-B544-FFBFCA129D7D}"/>
+                <a16:creationId xmlns:a16="http://schemas.microsoft.com/office/drawing/2014/main" xmlns="" id="{DBBC2C1B-8579-00C4-B544-FFBFCA129D7D}"/>
               </a:ext>
             </a:extLst>
           </p:cNvPr>
@@ -6041,7 +6041,7 @@
           <p:cNvPr id="22" name="Picture 21">
             <a:extLst>
               <a:ext uri="{FF2B5EF4-FFF2-40B4-BE49-F238E27FC236}">
-                <a16:creationId xmlns:a16="http://schemas.microsoft.com/office/drawing/2014/main" id="{01F692F5-74F4-0471-349D-4AB32F7960FF}"/>
+                <a16:creationId xmlns:a16="http://schemas.microsoft.com/office/drawing/2014/main" xmlns="" id="{01F692F5-74F4-0471-349D-4AB32F7960FF}"/>
               </a:ext>
             </a:extLst>
           </p:cNvPr>
@@ -6071,7 +6071,7 @@
           <p:cNvPr id="6" name="Picture 5">
             <a:extLst>
               <a:ext uri="{FF2B5EF4-FFF2-40B4-BE49-F238E27FC236}">
-                <a16:creationId xmlns:a16="http://schemas.microsoft.com/office/drawing/2014/main" id="{BA0C8DFB-34F5-A186-90B9-BA89810CBA67}"/>
+                <a16:creationId xmlns:a16="http://schemas.microsoft.com/office/drawing/2014/main" xmlns="" id="{BA0C8DFB-34F5-A186-90B9-BA89810CBA67}"/>
               </a:ext>
             </a:extLst>
           </p:cNvPr>
@@ -6131,7 +6131,7 @@
           <p:cNvPr id="2" name="Title 1">
             <a:extLst>
               <a:ext uri="{FF2B5EF4-FFF2-40B4-BE49-F238E27FC236}">
-                <a16:creationId xmlns:a16="http://schemas.microsoft.com/office/drawing/2014/main" id="{FD032C0E-D4DE-4984-4F6A-F9CA9AFEE1F3}"/>
+                <a16:creationId xmlns:a16="http://schemas.microsoft.com/office/drawing/2014/main" xmlns="" id="{FD032C0E-D4DE-4984-4F6A-F9CA9AFEE1F3}"/>
               </a:ext>
             </a:extLst>
           </p:cNvPr>
@@ -6165,7 +6165,7 @@
           <p:cNvPr id="11" name="TextBox 10">
             <a:extLst>
               <a:ext uri="{FF2B5EF4-FFF2-40B4-BE49-F238E27FC236}">
-                <a16:creationId xmlns:a16="http://schemas.microsoft.com/office/drawing/2014/main" id="{DBBC2C1B-8579-00C4-B544-FFBFCA129D7D}"/>
+                <a16:creationId xmlns:a16="http://schemas.microsoft.com/office/drawing/2014/main" xmlns="" id="{DBBC2C1B-8579-00C4-B544-FFBFCA129D7D}"/>
               </a:ext>
             </a:extLst>
           </p:cNvPr>
@@ -6214,7 +6214,7 @@
           <p:cNvPr id="4" name="Picture 3">
             <a:extLst>
               <a:ext uri="{FF2B5EF4-FFF2-40B4-BE49-F238E27FC236}">
-                <a16:creationId xmlns:a16="http://schemas.microsoft.com/office/drawing/2014/main" id="{8ECBF132-F0B2-5990-B980-F4C8A6860FFB}"/>
+                <a16:creationId xmlns:a16="http://schemas.microsoft.com/office/drawing/2014/main" xmlns="" id="{8ECBF132-F0B2-5990-B980-F4C8A6860FFB}"/>
               </a:ext>
             </a:extLst>
           </p:cNvPr>
@@ -6274,7 +6274,7 @@
           <p:cNvPr id="5" name="Title 4">
             <a:extLst>
               <a:ext uri="{FF2B5EF4-FFF2-40B4-BE49-F238E27FC236}">
-                <a16:creationId xmlns:a16="http://schemas.microsoft.com/office/drawing/2014/main" id="{A10855B6-D866-FBE7-135B-334784A549A2}"/>
+                <a16:creationId xmlns:a16="http://schemas.microsoft.com/office/drawing/2014/main" xmlns="" id="{A10855B6-D866-FBE7-135B-334784A549A2}"/>
               </a:ext>
             </a:extLst>
           </p:cNvPr>
@@ -6308,7 +6308,7 @@
           <p:cNvPr id="17" name="TextBox 16">
             <a:extLst>
               <a:ext uri="{FF2B5EF4-FFF2-40B4-BE49-F238E27FC236}">
-                <a16:creationId xmlns:a16="http://schemas.microsoft.com/office/drawing/2014/main" id="{84A7A537-4D65-F026-CD3B-23123016E246}"/>
+                <a16:creationId xmlns:a16="http://schemas.microsoft.com/office/drawing/2014/main" xmlns="" id="{84A7A537-4D65-F026-CD3B-23123016E246}"/>
               </a:ext>
             </a:extLst>
           </p:cNvPr>
@@ -6354,7 +6354,7 @@
           <p:cNvPr id="6" name="Picture 5">
             <a:extLst>
               <a:ext uri="{FF2B5EF4-FFF2-40B4-BE49-F238E27FC236}">
-                <a16:creationId xmlns:a16="http://schemas.microsoft.com/office/drawing/2014/main" id="{F7710E08-4D25-2FF2-E42A-DD730D0E73FD}"/>
+                <a16:creationId xmlns:a16="http://schemas.microsoft.com/office/drawing/2014/main" xmlns="" id="{F7710E08-4D25-2FF2-E42A-DD730D0E73FD}"/>
               </a:ext>
             </a:extLst>
           </p:cNvPr>
@@ -6384,7 +6384,7 @@
           <p:cNvPr id="10" name="Picture 9">
             <a:extLst>
               <a:ext uri="{FF2B5EF4-FFF2-40B4-BE49-F238E27FC236}">
-                <a16:creationId xmlns:a16="http://schemas.microsoft.com/office/drawing/2014/main" id="{FCC34CCF-1AAD-FB34-0CC9-772EF8852431}"/>
+                <a16:creationId xmlns:a16="http://schemas.microsoft.com/office/drawing/2014/main" xmlns="" id="{FCC34CCF-1AAD-FB34-0CC9-772EF8852431}"/>
               </a:ext>
             </a:extLst>
           </p:cNvPr>
@@ -6414,7 +6414,7 @@
           <p:cNvPr id="3" name="Picture 2">
             <a:extLst>
               <a:ext uri="{FF2B5EF4-FFF2-40B4-BE49-F238E27FC236}">
-                <a16:creationId xmlns:a16="http://schemas.microsoft.com/office/drawing/2014/main" id="{1673B28B-9C5E-0CEC-1157-CD49BB6612AD}"/>
+                <a16:creationId xmlns:a16="http://schemas.microsoft.com/office/drawing/2014/main" xmlns="" id="{1673B28B-9C5E-0CEC-1157-CD49BB6612AD}"/>
               </a:ext>
             </a:extLst>
           </p:cNvPr>
@@ -6474,7 +6474,7 @@
           <p:cNvPr id="2" name="Title 1">
             <a:extLst>
               <a:ext uri="{FF2B5EF4-FFF2-40B4-BE49-F238E27FC236}">
-                <a16:creationId xmlns:a16="http://schemas.microsoft.com/office/drawing/2014/main" id="{DE9EA127-D1BA-8D57-6BD0-3E63D7DE0531}"/>
+                <a16:creationId xmlns:a16="http://schemas.microsoft.com/office/drawing/2014/main" xmlns="" id="{DE9EA127-D1BA-8D57-6BD0-3E63D7DE0531}"/>
               </a:ext>
             </a:extLst>
           </p:cNvPr>
@@ -6509,7 +6509,7 @@
           <p:cNvPr id="4" name="Text Placeholder 3">
             <a:extLst>
               <a:ext uri="{FF2B5EF4-FFF2-40B4-BE49-F238E27FC236}">
-                <a16:creationId xmlns:a16="http://schemas.microsoft.com/office/drawing/2014/main" id="{D8157544-85A2-9B20-3FD8-5908B00DA1C6}"/>
+                <a16:creationId xmlns:a16="http://schemas.microsoft.com/office/drawing/2014/main" xmlns="" id="{D8157544-85A2-9B20-3FD8-5908B00DA1C6}"/>
               </a:ext>
             </a:extLst>
           </p:cNvPr>
@@ -6605,7 +6605,7 @@
           <p:cNvPr id="9" name="Content Placeholder 8">
             <a:extLst>
               <a:ext uri="{FF2B5EF4-FFF2-40B4-BE49-F238E27FC236}">
-                <a16:creationId xmlns:a16="http://schemas.microsoft.com/office/drawing/2014/main" id="{D410783F-34EA-0A85-CF09-B4741FC8F73A}"/>
+                <a16:creationId xmlns:a16="http://schemas.microsoft.com/office/drawing/2014/main" xmlns="" id="{D410783F-34EA-0A85-CF09-B4741FC8F73A}"/>
               </a:ext>
             </a:extLst>
           </p:cNvPr>
@@ -6634,7 +6634,7 @@
           <p:cNvPr id="10" name="Picture 9">
             <a:extLst>
               <a:ext uri="{FF2B5EF4-FFF2-40B4-BE49-F238E27FC236}">
-                <a16:creationId xmlns:a16="http://schemas.microsoft.com/office/drawing/2014/main" id="{C692A2E4-140A-D2D0-7E05-EE174398CA1B}"/>
+                <a16:creationId xmlns:a16="http://schemas.microsoft.com/office/drawing/2014/main" xmlns="" id="{C692A2E4-140A-D2D0-7E05-EE174398CA1B}"/>
               </a:ext>
             </a:extLst>
           </p:cNvPr>
@@ -6694,7 +6694,7 @@
           <p:cNvPr id="2" name="Title 1">
             <a:extLst>
               <a:ext uri="{FF2B5EF4-FFF2-40B4-BE49-F238E27FC236}">
-                <a16:creationId xmlns:a16="http://schemas.microsoft.com/office/drawing/2014/main" id="{DE9EA127-D1BA-8D57-6BD0-3E63D7DE0531}"/>
+                <a16:creationId xmlns:a16="http://schemas.microsoft.com/office/drawing/2014/main" xmlns="" id="{DE9EA127-D1BA-8D57-6BD0-3E63D7DE0531}"/>
               </a:ext>
             </a:extLst>
           </p:cNvPr>
@@ -6729,7 +6729,7 @@
           <p:cNvPr id="4" name="Text Placeholder 3">
             <a:extLst>
               <a:ext uri="{FF2B5EF4-FFF2-40B4-BE49-F238E27FC236}">
-                <a16:creationId xmlns:a16="http://schemas.microsoft.com/office/drawing/2014/main" id="{D8157544-85A2-9B20-3FD8-5908B00DA1C6}"/>
+                <a16:creationId xmlns:a16="http://schemas.microsoft.com/office/drawing/2014/main" xmlns="" id="{D8157544-85A2-9B20-3FD8-5908B00DA1C6}"/>
               </a:ext>
             </a:extLst>
           </p:cNvPr>
@@ -6776,7 +6776,7 @@
           <p:cNvPr id="3" name="TextBox 2">
             <a:extLst>
               <a:ext uri="{FF2B5EF4-FFF2-40B4-BE49-F238E27FC236}">
-                <a16:creationId xmlns:a16="http://schemas.microsoft.com/office/drawing/2014/main" id="{39351CC1-735D-8307-AD65-65E73A285811}"/>
+                <a16:creationId xmlns:a16="http://schemas.microsoft.com/office/drawing/2014/main" xmlns="" id="{39351CC1-735D-8307-AD65-65E73A285811}"/>
               </a:ext>
             </a:extLst>
           </p:cNvPr>
@@ -6816,7 +6816,7 @@
           <p:cNvPr id="10" name="Picture 9">
             <a:extLst>
               <a:ext uri="{FF2B5EF4-FFF2-40B4-BE49-F238E27FC236}">
-                <a16:creationId xmlns:a16="http://schemas.microsoft.com/office/drawing/2014/main" id="{35C1B663-CE15-858B-2E8E-F67F12BFE450}"/>
+                <a16:creationId xmlns:a16="http://schemas.microsoft.com/office/drawing/2014/main" xmlns="" id="{35C1B663-CE15-858B-2E8E-F67F12BFE450}"/>
               </a:ext>
             </a:extLst>
           </p:cNvPr>
@@ -6846,7 +6846,7 @@
           <p:cNvPr id="16" name="Picture 15">
             <a:extLst>
               <a:ext uri="{FF2B5EF4-FFF2-40B4-BE49-F238E27FC236}">
-                <a16:creationId xmlns:a16="http://schemas.microsoft.com/office/drawing/2014/main" id="{4FD6620A-0C47-4BF5-F572-501119B21E46}"/>
+                <a16:creationId xmlns:a16="http://schemas.microsoft.com/office/drawing/2014/main" xmlns="" id="{4FD6620A-0C47-4BF5-F572-501119B21E46}"/>
               </a:ext>
             </a:extLst>
           </p:cNvPr>
@@ -6906,7 +6906,7 @@
           <p:cNvPr id="5" name="Title 4">
             <a:extLst>
               <a:ext uri="{FF2B5EF4-FFF2-40B4-BE49-F238E27FC236}">
-                <a16:creationId xmlns:a16="http://schemas.microsoft.com/office/drawing/2014/main" id="{A10855B6-D866-FBE7-135B-334784A549A2}"/>
+                <a16:creationId xmlns:a16="http://schemas.microsoft.com/office/drawing/2014/main" xmlns="" id="{A10855B6-D866-FBE7-135B-334784A549A2}"/>
               </a:ext>
             </a:extLst>
           </p:cNvPr>
@@ -6940,7 +6940,7 @@
           <p:cNvPr id="17" name="TextBox 16">
             <a:extLst>
               <a:ext uri="{FF2B5EF4-FFF2-40B4-BE49-F238E27FC236}">
-                <a16:creationId xmlns:a16="http://schemas.microsoft.com/office/drawing/2014/main" id="{84A7A537-4D65-F026-CD3B-23123016E246}"/>
+                <a16:creationId xmlns:a16="http://schemas.microsoft.com/office/drawing/2014/main" xmlns="" id="{84A7A537-4D65-F026-CD3B-23123016E246}"/>
               </a:ext>
             </a:extLst>
           </p:cNvPr>
@@ -7068,7 +7068,7 @@
           <p:cNvPr id="3" name="Picture 2">
             <a:extLst>
               <a:ext uri="{FF2B5EF4-FFF2-40B4-BE49-F238E27FC236}">
-                <a16:creationId xmlns:a16="http://schemas.microsoft.com/office/drawing/2014/main" id="{369D1E0E-157F-59EC-97F7-6DC9220D8957}"/>
+                <a16:creationId xmlns:a16="http://schemas.microsoft.com/office/drawing/2014/main" xmlns="" id="{369D1E0E-157F-59EC-97F7-6DC9220D8957}"/>
               </a:ext>
             </a:extLst>
           </p:cNvPr>
@@ -7098,7 +7098,7 @@
           <p:cNvPr id="7" name="Picture 6">
             <a:extLst>
               <a:ext uri="{FF2B5EF4-FFF2-40B4-BE49-F238E27FC236}">
-                <a16:creationId xmlns:a16="http://schemas.microsoft.com/office/drawing/2014/main" id="{10352B08-E557-4135-5565-AA20AA85A3B1}"/>
+                <a16:creationId xmlns:a16="http://schemas.microsoft.com/office/drawing/2014/main" xmlns="" id="{10352B08-E557-4135-5565-AA20AA85A3B1}"/>
               </a:ext>
             </a:extLst>
           </p:cNvPr>
@@ -7128,7 +7128,7 @@
           <p:cNvPr id="10" name="Picture 9">
             <a:extLst>
               <a:ext uri="{FF2B5EF4-FFF2-40B4-BE49-F238E27FC236}">
-                <a16:creationId xmlns:a16="http://schemas.microsoft.com/office/drawing/2014/main" id="{2A255F81-F113-F9F4-D914-A7B32BA0D373}"/>
+                <a16:creationId xmlns:a16="http://schemas.microsoft.com/office/drawing/2014/main" xmlns="" id="{2A255F81-F113-F9F4-D914-A7B32BA0D373}"/>
               </a:ext>
             </a:extLst>
           </p:cNvPr>
@@ -7158,7 +7158,7 @@
           <p:cNvPr id="14" name="Picture 13">
             <a:extLst>
               <a:ext uri="{FF2B5EF4-FFF2-40B4-BE49-F238E27FC236}">
-                <a16:creationId xmlns:a16="http://schemas.microsoft.com/office/drawing/2014/main" id="{805F14CD-B2F2-1222-9D19-7AE548498A47}"/>
+                <a16:creationId xmlns:a16="http://schemas.microsoft.com/office/drawing/2014/main" xmlns="" id="{805F14CD-B2F2-1222-9D19-7AE548498A47}"/>
               </a:ext>
             </a:extLst>
           </p:cNvPr>
@@ -7218,7 +7218,7 @@
           <p:cNvPr id="4" name="Title 3">
             <a:extLst>
               <a:ext uri="{FF2B5EF4-FFF2-40B4-BE49-F238E27FC236}">
-                <a16:creationId xmlns:a16="http://schemas.microsoft.com/office/drawing/2014/main" id="{5B338AC2-8546-CB3E-D18B-B15F3FC0F81B}"/>
+                <a16:creationId xmlns:a16="http://schemas.microsoft.com/office/drawing/2014/main" xmlns="" id="{5B338AC2-8546-CB3E-D18B-B15F3FC0F81B}"/>
               </a:ext>
             </a:extLst>
           </p:cNvPr>
@@ -7254,7 +7254,7 @@
           <p:cNvPr id="6" name="Text Placeholder 5">
             <a:extLst>
               <a:ext uri="{FF2B5EF4-FFF2-40B4-BE49-F238E27FC236}">
-                <a16:creationId xmlns:a16="http://schemas.microsoft.com/office/drawing/2014/main" id="{A2868720-7267-2983-0F62-B2A040F5D2FF}"/>
+                <a16:creationId xmlns:a16="http://schemas.microsoft.com/office/drawing/2014/main" xmlns="" id="{A2868720-7267-2983-0F62-B2A040F5D2FF}"/>
               </a:ext>
             </a:extLst>
           </p:cNvPr>
@@ -7267,8 +7267,8 @@
         </p:nvSpPr>
         <p:spPr>
           <a:xfrm>
-            <a:off x="597192" y="1262771"/>
-            <a:ext cx="5071187" cy="5505097"/>
+            <a:off x="597193" y="1262770"/>
+            <a:ext cx="5386164" cy="5595229"/>
           </a:xfrm>
         </p:spPr>
         <p:txBody>
@@ -7291,6 +7291,32 @@
               </a:rPr>
               <a:t>The term “nice, taste, New head, great” implies that the people have mentioned alcohol colors, taste. The word “nice, great," signifies that the reviews are public-oriented in the interest of beer taste. </a:t>
             </a:r>
+            <a:endParaRPr lang="en-US" sz="1400" dirty="0" smtClean="0">
+              <a:latin typeface="+mj-lt"/>
+            </a:endParaRPr>
+          </a:p>
+          <a:p>
+            <a:r>
+              <a:rPr lang="en-US" sz="1400" dirty="0" smtClean="0">
+                <a:latin typeface="+mj-lt"/>
+              </a:rPr>
+              <a:t>Word </a:t>
+            </a:r>
+            <a:r>
+              <a:rPr lang="en-US" sz="1400" dirty="0">
+                <a:latin typeface="+mj-lt"/>
+              </a:rPr>
+              <a:t>Cloud is a data visualization technique used for representing text data in which the size of each word indicates its frequency or importance. </a:t>
+            </a:r>
+            <a:r>
+              <a:rPr lang="en-US" sz="1400" dirty="0" smtClean="0">
+                <a:latin typeface="+mj-lt"/>
+              </a:rPr>
+              <a:t>The words “white head", "yellow”, “dark fruit", "medium body” are the most frequent words in the text.</a:t>
+            </a:r>
+            <a:endParaRPr lang="en-US" sz="1400" dirty="0">
+              <a:latin typeface="+mj-lt"/>
+            </a:endParaRPr>
           </a:p>
         </p:txBody>
       </p:sp>
@@ -7299,7 +7325,7 @@
           <p:cNvPr id="10" name="Picture 9">
             <a:extLst>
               <a:ext uri="{FF2B5EF4-FFF2-40B4-BE49-F238E27FC236}">
-                <a16:creationId xmlns:a16="http://schemas.microsoft.com/office/drawing/2014/main" id="{A454DC4C-D603-072A-0813-21C816D76CF4}"/>
+                <a16:creationId xmlns:a16="http://schemas.microsoft.com/office/drawing/2014/main" xmlns="" id="{A454DC4C-D603-072A-0813-21C816D76CF4}"/>
               </a:ext>
             </a:extLst>
           </p:cNvPr>
@@ -7316,8 +7342,38 @@
         </p:blipFill>
         <p:spPr>
           <a:xfrm>
-            <a:off x="5668379" y="951688"/>
-            <a:ext cx="6361696" cy="4019146"/>
+            <a:off x="5668379" y="387626"/>
+            <a:ext cx="6361696" cy="3150704"/>
+          </a:xfrm>
+          <a:prstGeom prst="rect">
+            <a:avLst/>
+          </a:prstGeom>
+        </p:spPr>
+      </p:pic>
+      <p:pic>
+        <p:nvPicPr>
+          <p:cNvPr id="2" name="Picture 1"/>
+          <p:cNvPicPr>
+            <a:picLocks noChangeAspect="1"/>
+          </p:cNvPicPr>
+          <p:nvPr/>
+        </p:nvPicPr>
+        <p:blipFill>
+          <a:blip r:embed="rId3">
+            <a:extLst>
+              <a:ext uri="{28A0092B-C50C-407E-A947-70E740481C1C}">
+                <a14:useLocalDpi xmlns:a14="http://schemas.microsoft.com/office/drawing/2010/main" val="0"/>
+              </a:ext>
+            </a:extLst>
+          </a:blip>
+          <a:stretch>
+            <a:fillRect/>
+          </a:stretch>
+        </p:blipFill>
+        <p:spPr>
+          <a:xfrm>
+            <a:off x="588949" y="3319670"/>
+            <a:ext cx="7113878" cy="3538329"/>
           </a:xfrm>
           <a:prstGeom prst="rect">
             <a:avLst/>
